--- a/images/theory_analysis/Design_Pattern_Event_Sourcing/Design_Pattern_Event_Sourcing.pptx
+++ b/images/theory_analysis/Design_Pattern_Event_Sourcing/Design_Pattern_Event_Sourcing.pptx
@@ -5,14 +5,15 @@
     <p:sldMasterId id="2147483648" r:id="rId1"/>
   </p:sldMasterIdLst>
   <p:notesMasterIdLst>
-    <p:notesMasterId r:id="rId7"/>
+    <p:notesMasterId r:id="rId8"/>
   </p:notesMasterIdLst>
   <p:sldIdLst>
     <p:sldId id="364" r:id="rId2"/>
-    <p:sldId id="362" r:id="rId3"/>
-    <p:sldId id="363" r:id="rId4"/>
-    <p:sldId id="361" r:id="rId5"/>
-    <p:sldId id="360" r:id="rId6"/>
+    <p:sldId id="365" r:id="rId3"/>
+    <p:sldId id="362" r:id="rId4"/>
+    <p:sldId id="363" r:id="rId5"/>
+    <p:sldId id="361" r:id="rId6"/>
+    <p:sldId id="360" r:id="rId7"/>
   </p:sldIdLst>
   <p:sldSz cx="9144000" cy="5143500" type="screen16x9"/>
   <p:notesSz cx="6858000" cy="9144000"/>
@@ -3427,6 +3428,884 @@
       </p:sp>
       <p:sp>
         <p:nvSpPr>
+          <p:cNvPr id="5" name="원통형 4">
+            <a:extLst>
+              <a:ext uri="{FF2B5EF4-FFF2-40B4-BE49-F238E27FC236}">
+                <a16:creationId xmlns:a16="http://schemas.microsoft.com/office/drawing/2014/main" id="{FAC56514-D9B2-41C7-AE0E-23ADC6396C35}"/>
+              </a:ext>
+            </a:extLst>
+          </p:cNvPr>
+          <p:cNvSpPr/>
+          <p:nvPr/>
+        </p:nvSpPr>
+        <p:spPr>
+          <a:xfrm>
+            <a:off x="2396019" y="1491630"/>
+            <a:ext cx="1487272" cy="2232248"/>
+          </a:xfrm>
+          <a:prstGeom prst="can">
+            <a:avLst>
+              <a:gd name="adj" fmla="val 16441"/>
+            </a:avLst>
+          </a:prstGeom>
+        </p:spPr>
+        <p:style>
+          <a:lnRef idx="2">
+            <a:schemeClr val="dk1"/>
+          </a:lnRef>
+          <a:fillRef idx="1">
+            <a:schemeClr val="lt1"/>
+          </a:fillRef>
+          <a:effectRef idx="0">
+            <a:schemeClr val="dk1"/>
+          </a:effectRef>
+          <a:fontRef idx="minor">
+            <a:schemeClr val="dk1"/>
+          </a:fontRef>
+        </p:style>
+        <p:txBody>
+          <a:bodyPr rtlCol="0" anchor="b"/>
+          <a:lstStyle/>
+          <a:p>
+            <a:pPr algn="ctr"/>
+            <a:r>
+              <a:rPr lang="en-US" altLang="ko-KR" sz="1200"/>
+              <a:t>Event Store</a:t>
+            </a:r>
+            <a:endParaRPr lang="ko-KR" altLang="en-US" sz="1200"/>
+          </a:p>
+        </p:txBody>
+      </p:sp>
+      <p:sp>
+        <p:nvSpPr>
+          <p:cNvPr id="44" name="사각형: 둥근 모서리 43">
+            <a:extLst>
+              <a:ext uri="{FF2B5EF4-FFF2-40B4-BE49-F238E27FC236}">
+                <a16:creationId xmlns:a16="http://schemas.microsoft.com/office/drawing/2014/main" id="{CD7760F1-123F-47E1-B194-FFA3698EC3CF}"/>
+              </a:ext>
+            </a:extLst>
+          </p:cNvPr>
+          <p:cNvSpPr/>
+          <p:nvPr/>
+        </p:nvSpPr>
+        <p:spPr>
+          <a:xfrm>
+            <a:off x="2505870" y="1831716"/>
+            <a:ext cx="1267570" cy="257883"/>
+          </a:xfrm>
+          <a:prstGeom prst="roundRect">
+            <a:avLst>
+              <a:gd name="adj" fmla="val 15249"/>
+            </a:avLst>
+          </a:prstGeom>
+        </p:spPr>
+        <p:style>
+          <a:lnRef idx="2">
+            <a:schemeClr val="dk1"/>
+          </a:lnRef>
+          <a:fillRef idx="1">
+            <a:schemeClr val="lt1"/>
+          </a:fillRef>
+          <a:effectRef idx="0">
+            <a:schemeClr val="dk1"/>
+          </a:effectRef>
+          <a:fontRef idx="minor">
+            <a:schemeClr val="dk1"/>
+          </a:fontRef>
+        </p:style>
+        <p:txBody>
+          <a:bodyPr rtlCol="0" anchor="ctr"/>
+          <a:lstStyle/>
+          <a:p>
+            <a:pPr algn="ctr"/>
+            <a:r>
+              <a:rPr lang="en-US" altLang="ko-KR" sz="1100"/>
+              <a:t>phone +2</a:t>
+            </a:r>
+            <a:endParaRPr lang="ko-KR" altLang="en-US" sz="1100"/>
+          </a:p>
+        </p:txBody>
+      </p:sp>
+      <p:sp>
+        <p:nvSpPr>
+          <p:cNvPr id="45" name="사각형: 둥근 모서리 44">
+            <a:extLst>
+              <a:ext uri="{FF2B5EF4-FFF2-40B4-BE49-F238E27FC236}">
+                <a16:creationId xmlns:a16="http://schemas.microsoft.com/office/drawing/2014/main" id="{D3AFFFF8-4A3E-4EE5-9906-D235D9D22C4C}"/>
+              </a:ext>
+            </a:extLst>
+          </p:cNvPr>
+          <p:cNvSpPr/>
+          <p:nvPr/>
+        </p:nvSpPr>
+        <p:spPr>
+          <a:xfrm>
+            <a:off x="2505870" y="2089599"/>
+            <a:ext cx="1267570" cy="257883"/>
+          </a:xfrm>
+          <a:prstGeom prst="roundRect">
+            <a:avLst>
+              <a:gd name="adj" fmla="val 15249"/>
+            </a:avLst>
+          </a:prstGeom>
+        </p:spPr>
+        <p:style>
+          <a:lnRef idx="2">
+            <a:schemeClr val="dk1"/>
+          </a:lnRef>
+          <a:fillRef idx="1">
+            <a:schemeClr val="lt1"/>
+          </a:fillRef>
+          <a:effectRef idx="0">
+            <a:schemeClr val="dk1"/>
+          </a:effectRef>
+          <a:fontRef idx="minor">
+            <a:schemeClr val="dk1"/>
+          </a:fontRef>
+        </p:style>
+        <p:txBody>
+          <a:bodyPr rtlCol="0" anchor="ctr"/>
+          <a:lstStyle/>
+          <a:p>
+            <a:pPr algn="ctr"/>
+            <a:r>
+              <a:rPr lang="en-US" altLang="ko-KR" sz="1100"/>
+              <a:t>book +4</a:t>
+            </a:r>
+            <a:endParaRPr lang="ko-KR" altLang="en-US" sz="1100"/>
+          </a:p>
+        </p:txBody>
+      </p:sp>
+      <p:sp>
+        <p:nvSpPr>
+          <p:cNvPr id="46" name="사각형: 둥근 모서리 45">
+            <a:extLst>
+              <a:ext uri="{FF2B5EF4-FFF2-40B4-BE49-F238E27FC236}">
+                <a16:creationId xmlns:a16="http://schemas.microsoft.com/office/drawing/2014/main" id="{B7226514-9605-4517-AE7A-3C6054F28FDF}"/>
+              </a:ext>
+            </a:extLst>
+          </p:cNvPr>
+          <p:cNvSpPr/>
+          <p:nvPr/>
+        </p:nvSpPr>
+        <p:spPr>
+          <a:xfrm>
+            <a:off x="2505870" y="2346472"/>
+            <a:ext cx="1267570" cy="257883"/>
+          </a:xfrm>
+          <a:prstGeom prst="roundRect">
+            <a:avLst>
+              <a:gd name="adj" fmla="val 15249"/>
+            </a:avLst>
+          </a:prstGeom>
+        </p:spPr>
+        <p:style>
+          <a:lnRef idx="2">
+            <a:schemeClr val="dk1"/>
+          </a:lnRef>
+          <a:fillRef idx="1">
+            <a:schemeClr val="lt1"/>
+          </a:fillRef>
+          <a:effectRef idx="0">
+            <a:schemeClr val="dk1"/>
+          </a:effectRef>
+          <a:fontRef idx="minor">
+            <a:schemeClr val="dk1"/>
+          </a:fontRef>
+        </p:style>
+        <p:txBody>
+          <a:bodyPr rtlCol="0" anchor="ctr"/>
+          <a:lstStyle/>
+          <a:p>
+            <a:pPr algn="ctr"/>
+            <a:r>
+              <a:rPr lang="en-US" altLang="ko-KR" sz="1100"/>
+              <a:t>phone +3</a:t>
+            </a:r>
+            <a:endParaRPr lang="ko-KR" altLang="en-US" sz="1100"/>
+          </a:p>
+        </p:txBody>
+      </p:sp>
+      <p:sp>
+        <p:nvSpPr>
+          <p:cNvPr id="52" name="원통형 51">
+            <a:extLst>
+              <a:ext uri="{FF2B5EF4-FFF2-40B4-BE49-F238E27FC236}">
+                <a16:creationId xmlns:a16="http://schemas.microsoft.com/office/drawing/2014/main" id="{9CC6A4D3-E0A6-4172-9B34-9835484C6432}"/>
+              </a:ext>
+            </a:extLst>
+          </p:cNvPr>
+          <p:cNvSpPr/>
+          <p:nvPr/>
+        </p:nvSpPr>
+        <p:spPr>
+          <a:xfrm>
+            <a:off x="5220072" y="1995686"/>
+            <a:ext cx="1487272" cy="1264044"/>
+          </a:xfrm>
+          <a:prstGeom prst="can">
+            <a:avLst>
+              <a:gd name="adj" fmla="val 16441"/>
+            </a:avLst>
+          </a:prstGeom>
+        </p:spPr>
+        <p:style>
+          <a:lnRef idx="2">
+            <a:schemeClr val="dk1"/>
+          </a:lnRef>
+          <a:fillRef idx="1">
+            <a:schemeClr val="lt1"/>
+          </a:fillRef>
+          <a:effectRef idx="0">
+            <a:schemeClr val="dk1"/>
+          </a:effectRef>
+          <a:fontRef idx="minor">
+            <a:schemeClr val="dk1"/>
+          </a:fontRef>
+        </p:style>
+        <p:txBody>
+          <a:bodyPr rtlCol="0" anchor="b"/>
+          <a:lstStyle/>
+          <a:p>
+            <a:pPr algn="ctr"/>
+            <a:r>
+              <a:rPr lang="en-US" altLang="ko-KR" sz="1200"/>
+              <a:t>Database</a:t>
+            </a:r>
+            <a:endParaRPr lang="ko-KR" altLang="en-US" sz="1200"/>
+          </a:p>
+        </p:txBody>
+      </p:sp>
+      <p:sp>
+        <p:nvSpPr>
+          <p:cNvPr id="53" name="사각형: 둥근 모서리 52">
+            <a:extLst>
+              <a:ext uri="{FF2B5EF4-FFF2-40B4-BE49-F238E27FC236}">
+                <a16:creationId xmlns:a16="http://schemas.microsoft.com/office/drawing/2014/main" id="{78E39BB1-30FB-41BC-8185-51118F1A4B98}"/>
+              </a:ext>
+            </a:extLst>
+          </p:cNvPr>
+          <p:cNvSpPr/>
+          <p:nvPr/>
+        </p:nvSpPr>
+        <p:spPr>
+          <a:xfrm>
+            <a:off x="5329923" y="2335772"/>
+            <a:ext cx="864096" cy="257883"/>
+          </a:xfrm>
+          <a:prstGeom prst="roundRect">
+            <a:avLst>
+              <a:gd name="adj" fmla="val 15249"/>
+            </a:avLst>
+          </a:prstGeom>
+        </p:spPr>
+        <p:style>
+          <a:lnRef idx="2">
+            <a:schemeClr val="dk1"/>
+          </a:lnRef>
+          <a:fillRef idx="1">
+            <a:schemeClr val="lt1"/>
+          </a:fillRef>
+          <a:effectRef idx="0">
+            <a:schemeClr val="dk1"/>
+          </a:effectRef>
+          <a:fontRef idx="minor">
+            <a:schemeClr val="dk1"/>
+          </a:fontRef>
+        </p:style>
+        <p:txBody>
+          <a:bodyPr rtlCol="0" anchor="ctr"/>
+          <a:lstStyle/>
+          <a:p>
+            <a:pPr algn="ctr"/>
+            <a:r>
+              <a:rPr lang="en-US" altLang="ko-KR" sz="1100"/>
+              <a:t>phone</a:t>
+            </a:r>
+            <a:endParaRPr lang="ko-KR" altLang="en-US" sz="1100"/>
+          </a:p>
+        </p:txBody>
+      </p:sp>
+      <p:sp>
+        <p:nvSpPr>
+          <p:cNvPr id="56" name="사각형: 둥근 모서리 55">
+            <a:extLst>
+              <a:ext uri="{FF2B5EF4-FFF2-40B4-BE49-F238E27FC236}">
+                <a16:creationId xmlns:a16="http://schemas.microsoft.com/office/drawing/2014/main" id="{18AD1C90-650C-4515-BBA9-2F884063F646}"/>
+              </a:ext>
+            </a:extLst>
+          </p:cNvPr>
+          <p:cNvSpPr/>
+          <p:nvPr/>
+        </p:nvSpPr>
+        <p:spPr>
+          <a:xfrm>
+            <a:off x="6194019" y="2335772"/>
+            <a:ext cx="403474" cy="257883"/>
+          </a:xfrm>
+          <a:prstGeom prst="roundRect">
+            <a:avLst>
+              <a:gd name="adj" fmla="val 15249"/>
+            </a:avLst>
+          </a:prstGeom>
+        </p:spPr>
+        <p:style>
+          <a:lnRef idx="2">
+            <a:schemeClr val="dk1"/>
+          </a:lnRef>
+          <a:fillRef idx="1">
+            <a:schemeClr val="lt1"/>
+          </a:fillRef>
+          <a:effectRef idx="0">
+            <a:schemeClr val="dk1"/>
+          </a:effectRef>
+          <a:fontRef idx="minor">
+            <a:schemeClr val="dk1"/>
+          </a:fontRef>
+        </p:style>
+        <p:txBody>
+          <a:bodyPr rtlCol="0" anchor="ctr"/>
+          <a:lstStyle/>
+          <a:p>
+            <a:pPr algn="ctr"/>
+            <a:r>
+              <a:rPr lang="en-US" altLang="ko-KR" sz="1100"/>
+              <a:t>6</a:t>
+            </a:r>
+            <a:endParaRPr lang="ko-KR" altLang="en-US" sz="1100"/>
+          </a:p>
+        </p:txBody>
+      </p:sp>
+      <p:sp>
+        <p:nvSpPr>
+          <p:cNvPr id="57" name="사각형: 둥근 모서리 56">
+            <a:extLst>
+              <a:ext uri="{FF2B5EF4-FFF2-40B4-BE49-F238E27FC236}">
+                <a16:creationId xmlns:a16="http://schemas.microsoft.com/office/drawing/2014/main" id="{02436563-ABF9-46C8-929C-11AF988B2A33}"/>
+              </a:ext>
+            </a:extLst>
+          </p:cNvPr>
+          <p:cNvSpPr/>
+          <p:nvPr/>
+        </p:nvSpPr>
+        <p:spPr>
+          <a:xfrm>
+            <a:off x="5329923" y="2593150"/>
+            <a:ext cx="864096" cy="257883"/>
+          </a:xfrm>
+          <a:prstGeom prst="roundRect">
+            <a:avLst>
+              <a:gd name="adj" fmla="val 15249"/>
+            </a:avLst>
+          </a:prstGeom>
+        </p:spPr>
+        <p:style>
+          <a:lnRef idx="2">
+            <a:schemeClr val="dk1"/>
+          </a:lnRef>
+          <a:fillRef idx="1">
+            <a:schemeClr val="lt1"/>
+          </a:fillRef>
+          <a:effectRef idx="0">
+            <a:schemeClr val="dk1"/>
+          </a:effectRef>
+          <a:fontRef idx="minor">
+            <a:schemeClr val="dk1"/>
+          </a:fontRef>
+        </p:style>
+        <p:txBody>
+          <a:bodyPr rtlCol="0" anchor="ctr"/>
+          <a:lstStyle/>
+          <a:p>
+            <a:pPr algn="ctr"/>
+            <a:r>
+              <a:rPr lang="en-US" altLang="ko-KR" sz="1100"/>
+              <a:t>book</a:t>
+            </a:r>
+            <a:endParaRPr lang="ko-KR" altLang="en-US" sz="1100"/>
+          </a:p>
+        </p:txBody>
+      </p:sp>
+      <p:sp>
+        <p:nvSpPr>
+          <p:cNvPr id="58" name="사각형: 둥근 모서리 57">
+            <a:extLst>
+              <a:ext uri="{FF2B5EF4-FFF2-40B4-BE49-F238E27FC236}">
+                <a16:creationId xmlns:a16="http://schemas.microsoft.com/office/drawing/2014/main" id="{8882E4F7-7C5B-45A2-B75C-F2D5C209A955}"/>
+              </a:ext>
+            </a:extLst>
+          </p:cNvPr>
+          <p:cNvSpPr/>
+          <p:nvPr/>
+        </p:nvSpPr>
+        <p:spPr>
+          <a:xfrm>
+            <a:off x="6194019" y="2593150"/>
+            <a:ext cx="403474" cy="257883"/>
+          </a:xfrm>
+          <a:prstGeom prst="roundRect">
+            <a:avLst>
+              <a:gd name="adj" fmla="val 15249"/>
+            </a:avLst>
+          </a:prstGeom>
+        </p:spPr>
+        <p:style>
+          <a:lnRef idx="2">
+            <a:schemeClr val="dk1"/>
+          </a:lnRef>
+          <a:fillRef idx="1">
+            <a:schemeClr val="lt1"/>
+          </a:fillRef>
+          <a:effectRef idx="0">
+            <a:schemeClr val="dk1"/>
+          </a:effectRef>
+          <a:fontRef idx="minor">
+            <a:schemeClr val="dk1"/>
+          </a:fontRef>
+        </p:style>
+        <p:txBody>
+          <a:bodyPr rtlCol="0" anchor="ctr"/>
+          <a:lstStyle/>
+          <a:p>
+            <a:pPr algn="ctr"/>
+            <a:r>
+              <a:rPr lang="en-US" altLang="ko-KR" sz="1100"/>
+              <a:t>3</a:t>
+            </a:r>
+            <a:endParaRPr lang="ko-KR" altLang="en-US" sz="1100"/>
+          </a:p>
+        </p:txBody>
+      </p:sp>
+      <p:sp>
+        <p:nvSpPr>
+          <p:cNvPr id="31" name="사각형: 둥근 모서리 30">
+            <a:extLst>
+              <a:ext uri="{FF2B5EF4-FFF2-40B4-BE49-F238E27FC236}">
+                <a16:creationId xmlns:a16="http://schemas.microsoft.com/office/drawing/2014/main" id="{5909F938-71A1-4D76-BC53-7C812146E4D0}"/>
+              </a:ext>
+            </a:extLst>
+          </p:cNvPr>
+          <p:cNvSpPr/>
+          <p:nvPr/>
+        </p:nvSpPr>
+        <p:spPr>
+          <a:xfrm>
+            <a:off x="2505870" y="2603345"/>
+            <a:ext cx="1267570" cy="257883"/>
+          </a:xfrm>
+          <a:prstGeom prst="roundRect">
+            <a:avLst>
+              <a:gd name="adj" fmla="val 15249"/>
+            </a:avLst>
+          </a:prstGeom>
+        </p:spPr>
+        <p:style>
+          <a:lnRef idx="2">
+            <a:schemeClr val="dk1"/>
+          </a:lnRef>
+          <a:fillRef idx="1">
+            <a:schemeClr val="lt1"/>
+          </a:fillRef>
+          <a:effectRef idx="0">
+            <a:schemeClr val="dk1"/>
+          </a:effectRef>
+          <a:fontRef idx="minor">
+            <a:schemeClr val="dk1"/>
+          </a:fontRef>
+        </p:style>
+        <p:txBody>
+          <a:bodyPr rtlCol="0" anchor="ctr"/>
+          <a:lstStyle/>
+          <a:p>
+            <a:pPr algn="ctr"/>
+            <a:r>
+              <a:rPr lang="en-US" altLang="ko-KR" sz="1100"/>
+              <a:t>book</a:t>
+            </a:r>
+            <a:r>
+              <a:rPr lang="ko-KR" altLang="en-US" sz="1100"/>
+              <a:t> </a:t>
+            </a:r>
+            <a:r>
+              <a:rPr lang="en-US" altLang="ko-KR" sz="1100"/>
+              <a:t>-1</a:t>
+            </a:r>
+            <a:endParaRPr lang="ko-KR" altLang="en-US" sz="1100"/>
+          </a:p>
+        </p:txBody>
+      </p:sp>
+      <p:sp>
+        <p:nvSpPr>
+          <p:cNvPr id="3" name="타원 2">
+            <a:extLst>
+              <a:ext uri="{FF2B5EF4-FFF2-40B4-BE49-F238E27FC236}">
+                <a16:creationId xmlns:a16="http://schemas.microsoft.com/office/drawing/2014/main" id="{77E7D701-FF35-4A61-8FBD-BBFE23827D71}"/>
+              </a:ext>
+            </a:extLst>
+          </p:cNvPr>
+          <p:cNvSpPr/>
+          <p:nvPr/>
+        </p:nvSpPr>
+        <p:spPr>
+          <a:xfrm>
+            <a:off x="3114668" y="2931790"/>
+            <a:ext cx="82708" cy="82708"/>
+          </a:xfrm>
+          <a:prstGeom prst="ellipse">
+            <a:avLst/>
+          </a:prstGeom>
+          <a:solidFill>
+            <a:schemeClr val="tx1"/>
+          </a:solidFill>
+          <a:ln>
+            <a:noFill/>
+          </a:ln>
+        </p:spPr>
+        <p:style>
+          <a:lnRef idx="2">
+            <a:schemeClr val="accent1">
+              <a:shade val="50000"/>
+            </a:schemeClr>
+          </a:lnRef>
+          <a:fillRef idx="1">
+            <a:schemeClr val="accent1"/>
+          </a:fillRef>
+          <a:effectRef idx="0">
+            <a:schemeClr val="accent1"/>
+          </a:effectRef>
+          <a:fontRef idx="minor">
+            <a:schemeClr val="lt1"/>
+          </a:fontRef>
+        </p:style>
+        <p:txBody>
+          <a:bodyPr rtlCol="0" anchor="ctr"/>
+          <a:lstStyle/>
+          <a:p>
+            <a:pPr algn="ctr"/>
+            <a:endParaRPr lang="ko-KR" altLang="en-US"/>
+          </a:p>
+        </p:txBody>
+      </p:sp>
+      <p:sp>
+        <p:nvSpPr>
+          <p:cNvPr id="33" name="타원 32">
+            <a:extLst>
+              <a:ext uri="{FF2B5EF4-FFF2-40B4-BE49-F238E27FC236}">
+                <a16:creationId xmlns:a16="http://schemas.microsoft.com/office/drawing/2014/main" id="{30517BF4-A68B-44A7-9528-21D0BD792F61}"/>
+              </a:ext>
+            </a:extLst>
+          </p:cNvPr>
+          <p:cNvSpPr/>
+          <p:nvPr/>
+        </p:nvSpPr>
+        <p:spPr>
+          <a:xfrm>
+            <a:off x="3114668" y="3075806"/>
+            <a:ext cx="82708" cy="82708"/>
+          </a:xfrm>
+          <a:prstGeom prst="ellipse">
+            <a:avLst/>
+          </a:prstGeom>
+          <a:solidFill>
+            <a:schemeClr val="tx1"/>
+          </a:solidFill>
+          <a:ln>
+            <a:noFill/>
+          </a:ln>
+        </p:spPr>
+        <p:style>
+          <a:lnRef idx="2">
+            <a:schemeClr val="accent1">
+              <a:shade val="50000"/>
+            </a:schemeClr>
+          </a:lnRef>
+          <a:fillRef idx="1">
+            <a:schemeClr val="accent1"/>
+          </a:fillRef>
+          <a:effectRef idx="0">
+            <a:schemeClr val="accent1"/>
+          </a:effectRef>
+          <a:fontRef idx="minor">
+            <a:schemeClr val="lt1"/>
+          </a:fontRef>
+        </p:style>
+        <p:txBody>
+          <a:bodyPr rtlCol="0" anchor="ctr"/>
+          <a:lstStyle/>
+          <a:p>
+            <a:pPr algn="ctr"/>
+            <a:endParaRPr lang="ko-KR" altLang="en-US"/>
+          </a:p>
+        </p:txBody>
+      </p:sp>
+      <p:sp>
+        <p:nvSpPr>
+          <p:cNvPr id="34" name="타원 33">
+            <a:extLst>
+              <a:ext uri="{FF2B5EF4-FFF2-40B4-BE49-F238E27FC236}">
+                <a16:creationId xmlns:a16="http://schemas.microsoft.com/office/drawing/2014/main" id="{F7BCC1B6-F50B-4863-9744-1326B20A9A2E}"/>
+              </a:ext>
+            </a:extLst>
+          </p:cNvPr>
+          <p:cNvSpPr/>
+          <p:nvPr/>
+        </p:nvSpPr>
+        <p:spPr>
+          <a:xfrm>
+            <a:off x="3114668" y="3219822"/>
+            <a:ext cx="82708" cy="82708"/>
+          </a:xfrm>
+          <a:prstGeom prst="ellipse">
+            <a:avLst/>
+          </a:prstGeom>
+          <a:solidFill>
+            <a:schemeClr val="tx1"/>
+          </a:solidFill>
+          <a:ln>
+            <a:noFill/>
+          </a:ln>
+        </p:spPr>
+        <p:style>
+          <a:lnRef idx="2">
+            <a:schemeClr val="accent1">
+              <a:shade val="50000"/>
+            </a:schemeClr>
+          </a:lnRef>
+          <a:fillRef idx="1">
+            <a:schemeClr val="accent1"/>
+          </a:fillRef>
+          <a:effectRef idx="0">
+            <a:schemeClr val="accent1"/>
+          </a:effectRef>
+          <a:fontRef idx="minor">
+            <a:schemeClr val="lt1"/>
+          </a:fontRef>
+        </p:style>
+        <p:txBody>
+          <a:bodyPr rtlCol="0" anchor="ctr"/>
+          <a:lstStyle/>
+          <a:p>
+            <a:pPr algn="ctr"/>
+            <a:endParaRPr lang="ko-KR" altLang="en-US"/>
+          </a:p>
+        </p:txBody>
+      </p:sp>
+      <p:cxnSp>
+        <p:nvCxnSpPr>
+          <p:cNvPr id="6" name="직선 연결선 5">
+            <a:extLst>
+              <a:ext uri="{FF2B5EF4-FFF2-40B4-BE49-F238E27FC236}">
+                <a16:creationId xmlns:a16="http://schemas.microsoft.com/office/drawing/2014/main" id="{AB2ABF1D-0A89-4D1F-9F7E-2D23009A58EC}"/>
+              </a:ext>
+            </a:extLst>
+          </p:cNvPr>
+          <p:cNvCxnSpPr>
+            <a:cxnSpLocks/>
+          </p:cNvCxnSpPr>
+          <p:nvPr/>
+        </p:nvCxnSpPr>
+        <p:spPr>
+          <a:xfrm>
+            <a:off x="4572000" y="1347614"/>
+            <a:ext cx="0" cy="2736304"/>
+          </a:xfrm>
+          <a:prstGeom prst="line">
+            <a:avLst/>
+          </a:prstGeom>
+          <a:ln w="28575">
+            <a:solidFill>
+              <a:schemeClr val="tx1"/>
+            </a:solidFill>
+            <a:prstDash val="dash"/>
+          </a:ln>
+        </p:spPr>
+        <p:style>
+          <a:lnRef idx="1">
+            <a:schemeClr val="accent1"/>
+          </a:lnRef>
+          <a:fillRef idx="0">
+            <a:schemeClr val="accent1"/>
+          </a:fillRef>
+          <a:effectRef idx="0">
+            <a:schemeClr val="accent1"/>
+          </a:effectRef>
+          <a:fontRef idx="minor">
+            <a:schemeClr val="tx1"/>
+          </a:fontRef>
+        </p:style>
+      </p:cxnSp>
+      <p:sp>
+        <p:nvSpPr>
+          <p:cNvPr id="39" name="사각형: 둥근 모서리 38">
+            <a:extLst>
+              <a:ext uri="{FF2B5EF4-FFF2-40B4-BE49-F238E27FC236}">
+                <a16:creationId xmlns:a16="http://schemas.microsoft.com/office/drawing/2014/main" id="{50540D73-CF50-4B24-9960-E516910C516B}"/>
+              </a:ext>
+            </a:extLst>
+          </p:cNvPr>
+          <p:cNvSpPr/>
+          <p:nvPr/>
+        </p:nvSpPr>
+        <p:spPr>
+          <a:xfrm>
+            <a:off x="2471946" y="3677140"/>
+            <a:ext cx="1368152" cy="349340"/>
+          </a:xfrm>
+          <a:prstGeom prst="roundRect">
+            <a:avLst>
+              <a:gd name="adj" fmla="val 15249"/>
+            </a:avLst>
+          </a:prstGeom>
+          <a:noFill/>
+          <a:ln>
+            <a:noFill/>
+          </a:ln>
+        </p:spPr>
+        <p:style>
+          <a:lnRef idx="2">
+            <a:schemeClr val="dk1"/>
+          </a:lnRef>
+          <a:fillRef idx="1">
+            <a:schemeClr val="lt1"/>
+          </a:fillRef>
+          <a:effectRef idx="0">
+            <a:schemeClr val="dk1"/>
+          </a:effectRef>
+          <a:fontRef idx="minor">
+            <a:schemeClr val="dk1"/>
+          </a:fontRef>
+        </p:style>
+        <p:txBody>
+          <a:bodyPr rtlCol="0" anchor="ctr"/>
+          <a:lstStyle/>
+          <a:p>
+            <a:pPr algn="ctr"/>
+            <a:r>
+              <a:rPr lang="en-US" altLang="ko-KR" sz="1200" b="1"/>
+              <a:t>Event Sourcing</a:t>
+            </a:r>
+          </a:p>
+        </p:txBody>
+      </p:sp>
+      <p:sp>
+        <p:nvSpPr>
+          <p:cNvPr id="40" name="사각형: 둥근 모서리 39">
+            <a:extLst>
+              <a:ext uri="{FF2B5EF4-FFF2-40B4-BE49-F238E27FC236}">
+                <a16:creationId xmlns:a16="http://schemas.microsoft.com/office/drawing/2014/main" id="{CFF7FCAF-ACE1-4CEB-BB46-752CC43A86A1}"/>
+              </a:ext>
+            </a:extLst>
+          </p:cNvPr>
+          <p:cNvSpPr/>
+          <p:nvPr/>
+        </p:nvSpPr>
+        <p:spPr>
+          <a:xfrm>
+            <a:off x="5278773" y="3677140"/>
+            <a:ext cx="1368152" cy="349340"/>
+          </a:xfrm>
+          <a:prstGeom prst="roundRect">
+            <a:avLst>
+              <a:gd name="adj" fmla="val 15249"/>
+            </a:avLst>
+          </a:prstGeom>
+          <a:noFill/>
+          <a:ln>
+            <a:noFill/>
+          </a:ln>
+        </p:spPr>
+        <p:style>
+          <a:lnRef idx="2">
+            <a:schemeClr val="dk1"/>
+          </a:lnRef>
+          <a:fillRef idx="1">
+            <a:schemeClr val="lt1"/>
+          </a:fillRef>
+          <a:effectRef idx="0">
+            <a:schemeClr val="dk1"/>
+          </a:effectRef>
+          <a:fontRef idx="minor">
+            <a:schemeClr val="dk1"/>
+          </a:fontRef>
+        </p:style>
+        <p:txBody>
+          <a:bodyPr rtlCol="0" anchor="ctr"/>
+          <a:lstStyle/>
+          <a:p>
+            <a:pPr algn="ctr"/>
+            <a:r>
+              <a:rPr lang="en-US" altLang="ko-KR" sz="1200" b="1"/>
+              <a:t>Normal CRUD</a:t>
+            </a:r>
+          </a:p>
+        </p:txBody>
+      </p:sp>
+    </p:spTree>
+    <p:extLst>
+      <p:ext uri="{BB962C8B-B14F-4D97-AF65-F5344CB8AC3E}">
+        <p14:creationId xmlns:p14="http://schemas.microsoft.com/office/powerpoint/2010/main" val="3700898893"/>
+      </p:ext>
+    </p:extLst>
+  </p:cSld>
+  <p:clrMapOvr>
+    <a:masterClrMapping/>
+  </p:clrMapOvr>
+</p:sld>
+</file>
+
+<file path=ppt/slides/slide2.xml><?xml version="1.0" encoding="utf-8"?>
+<p:sld xmlns:a="http://schemas.openxmlformats.org/drawingml/2006/main" xmlns:r="http://schemas.openxmlformats.org/officeDocument/2006/relationships" xmlns:p="http://schemas.openxmlformats.org/presentationml/2006/main">
+  <p:cSld>
+    <p:spTree>
+      <p:nvGrpSpPr>
+        <p:cNvPr id="1" name=""/>
+        <p:cNvGrpSpPr/>
+        <p:nvPr/>
+      </p:nvGrpSpPr>
+      <p:grpSpPr>
+        <a:xfrm>
+          <a:off x="0" y="0"/>
+          <a:ext cx="0" cy="0"/>
+          <a:chOff x="0" y="0"/>
+          <a:chExt cx="0" cy="0"/>
+        </a:xfrm>
+      </p:grpSpPr>
+      <p:sp>
+        <p:nvSpPr>
+          <p:cNvPr id="2" name="제목 1">
+            <a:extLst>
+              <a:ext uri="{FF2B5EF4-FFF2-40B4-BE49-F238E27FC236}">
+                <a16:creationId xmlns:a16="http://schemas.microsoft.com/office/drawing/2014/main" id="{ACF342D6-DC59-400E-A435-E90C225B2F04}"/>
+              </a:ext>
+            </a:extLst>
+          </p:cNvPr>
+          <p:cNvSpPr>
+            <a:spLocks noGrp="1"/>
+          </p:cNvSpPr>
+          <p:nvPr>
+            <p:ph type="title"/>
+          </p:nvPr>
+        </p:nvSpPr>
+        <p:spPr>
+          <a:xfrm>
+            <a:off x="457200" y="-20538"/>
+            <a:ext cx="8229600" cy="857250"/>
+          </a:xfrm>
+        </p:spPr>
+        <p:txBody>
+          <a:bodyPr/>
+          <a:lstStyle/>
+          <a:p>
+            <a:r>
+              <a:rPr lang="en-US" altLang="ko-KR"/>
+              <a:t>Event Sourcing Pattern</a:t>
+            </a:r>
+            <a:endParaRPr lang="ko-KR" altLang="en-US"/>
+          </a:p>
+        </p:txBody>
+      </p:sp>
+      <p:sp>
+        <p:nvSpPr>
           <p:cNvPr id="42" name="사각형: 둥근 모서리 41">
             <a:extLst>
               <a:ext uri="{FF2B5EF4-FFF2-40B4-BE49-F238E27FC236}">
@@ -4826,7 +5705,7 @@
     </p:spTree>
     <p:extLst>
       <p:ext uri="{BB962C8B-B14F-4D97-AF65-F5344CB8AC3E}">
-        <p14:creationId xmlns:p14="http://schemas.microsoft.com/office/powerpoint/2010/main" val="3700898893"/>
+        <p14:creationId xmlns:p14="http://schemas.microsoft.com/office/powerpoint/2010/main" val="3446353124"/>
       </p:ext>
     </p:extLst>
   </p:cSld>
@@ -4836,7 +5715,7 @@
 </p:sld>
 </file>
 
-<file path=ppt/slides/slide2.xml><?xml version="1.0" encoding="utf-8"?>
+<file path=ppt/slides/slide3.xml><?xml version="1.0" encoding="utf-8"?>
 <p:sld xmlns:a="http://schemas.openxmlformats.org/drawingml/2006/main" xmlns:r="http://schemas.openxmlformats.org/officeDocument/2006/relationships" xmlns:p="http://schemas.openxmlformats.org/presentationml/2006/main">
   <p:cSld>
     <p:spTree>
@@ -4866,7 +5745,7 @@
 </p:sld>
 </file>
 
-<file path=ppt/slides/slide3.xml><?xml version="1.0" encoding="utf-8"?>
+<file path=ppt/slides/slide4.xml><?xml version="1.0" encoding="utf-8"?>
 <p:sld xmlns:a="http://schemas.openxmlformats.org/drawingml/2006/main" xmlns:r="http://schemas.openxmlformats.org/officeDocument/2006/relationships" xmlns:p="http://schemas.openxmlformats.org/presentationml/2006/main">
   <p:cSld>
     <p:spTree>
@@ -5416,7 +6295,7 @@
 </p:sld>
 </file>
 
-<file path=ppt/slides/slide4.xml><?xml version="1.0" encoding="utf-8"?>
+<file path=ppt/slides/slide5.xml><?xml version="1.0" encoding="utf-8"?>
 <p:sld xmlns:a="http://schemas.openxmlformats.org/drawingml/2006/main" xmlns:r="http://schemas.openxmlformats.org/officeDocument/2006/relationships" xmlns:p="http://schemas.openxmlformats.org/presentationml/2006/main">
   <p:cSld>
     <p:spTree>
@@ -6601,7 +7480,7 @@
 </p:sld>
 </file>
 
-<file path=ppt/slides/slide5.xml><?xml version="1.0" encoding="utf-8"?>
+<file path=ppt/slides/slide6.xml><?xml version="1.0" encoding="utf-8"?>
 <p:sld xmlns:a="http://schemas.openxmlformats.org/drawingml/2006/main" xmlns:r="http://schemas.openxmlformats.org/officeDocument/2006/relationships" xmlns:p="http://schemas.openxmlformats.org/presentationml/2006/main">
   <p:cSld>
     <p:spTree>

--- a/images/theory_analysis/Design_Pattern_Event_Sourcing/Design_Pattern_Event_Sourcing.pptx
+++ b/images/theory_analysis/Design_Pattern_Event_Sourcing/Design_Pattern_Event_Sourcing.pptx
@@ -5,15 +5,16 @@
     <p:sldMasterId id="2147483648" r:id="rId1"/>
   </p:sldMasterIdLst>
   <p:notesMasterIdLst>
-    <p:notesMasterId r:id="rId8"/>
+    <p:notesMasterId r:id="rId9"/>
   </p:notesMasterIdLst>
   <p:sldIdLst>
     <p:sldId id="364" r:id="rId2"/>
     <p:sldId id="365" r:id="rId3"/>
     <p:sldId id="362" r:id="rId4"/>
-    <p:sldId id="363" r:id="rId5"/>
-    <p:sldId id="361" r:id="rId6"/>
-    <p:sldId id="360" r:id="rId7"/>
+    <p:sldId id="366" r:id="rId5"/>
+    <p:sldId id="363" r:id="rId6"/>
+    <p:sldId id="361" r:id="rId7"/>
+    <p:sldId id="360" r:id="rId8"/>
   </p:sldIdLst>
   <p:sldSz cx="9144000" cy="5143500" type="screen16x9"/>
   <p:notesSz cx="6858000" cy="9144000"/>
@@ -218,7 +219,7 @@
           <a:p>
             <a:fld id="{6CD5550B-26C4-49A9-A5BA-636EF7BE6CE9}" type="datetimeFigureOut">
               <a:rPr lang="ko-KR" altLang="en-US" smtClean="0"/>
-              <a:t>2021-06-01</a:t>
+              <a:t>2021-06-02</a:t>
             </a:fld>
             <a:endParaRPr lang="ko-KR" altLang="en-US"/>
           </a:p>
@@ -664,7 +665,7 @@
           <a:p>
             <a:fld id="{FB30EDBD-1C2D-4C1E-B459-B60219FAB484}" type="datetimeFigureOut">
               <a:rPr lang="ko-KR" altLang="en-US" smtClean="0"/>
-              <a:t>2021-06-01</a:t>
+              <a:t>2021-06-02</a:t>
             </a:fld>
             <a:endParaRPr lang="ko-KR" altLang="en-US"/>
           </a:p>
@@ -827,7 +828,7 @@
           <a:p>
             <a:fld id="{FB30EDBD-1C2D-4C1E-B459-B60219FAB484}" type="datetimeFigureOut">
               <a:rPr lang="ko-KR" altLang="en-US" smtClean="0"/>
-              <a:t>2021-06-01</a:t>
+              <a:t>2021-06-02</a:t>
             </a:fld>
             <a:endParaRPr lang="ko-KR" altLang="en-US"/>
           </a:p>
@@ -1000,7 +1001,7 @@
           <a:p>
             <a:fld id="{FB30EDBD-1C2D-4C1E-B459-B60219FAB484}" type="datetimeFigureOut">
               <a:rPr lang="ko-KR" altLang="en-US" smtClean="0"/>
-              <a:t>2021-06-01</a:t>
+              <a:t>2021-06-02</a:t>
             </a:fld>
             <a:endParaRPr lang="ko-KR" altLang="en-US"/>
           </a:p>
@@ -1163,7 +1164,7 @@
           <a:p>
             <a:fld id="{FB30EDBD-1C2D-4C1E-B459-B60219FAB484}" type="datetimeFigureOut">
               <a:rPr lang="ko-KR" altLang="en-US" smtClean="0"/>
-              <a:t>2021-06-01</a:t>
+              <a:t>2021-06-02</a:t>
             </a:fld>
             <a:endParaRPr lang="ko-KR" altLang="en-US"/>
           </a:p>
@@ -1403,7 +1404,7 @@
           <a:p>
             <a:fld id="{FB30EDBD-1C2D-4C1E-B459-B60219FAB484}" type="datetimeFigureOut">
               <a:rPr lang="ko-KR" altLang="en-US" smtClean="0"/>
-              <a:t>2021-06-01</a:t>
+              <a:t>2021-06-02</a:t>
             </a:fld>
             <a:endParaRPr lang="ko-KR" altLang="en-US"/>
           </a:p>
@@ -1683,7 +1684,7 @@
           <a:p>
             <a:fld id="{FB30EDBD-1C2D-4C1E-B459-B60219FAB484}" type="datetimeFigureOut">
               <a:rPr lang="ko-KR" altLang="en-US" smtClean="0"/>
-              <a:t>2021-06-01</a:t>
+              <a:t>2021-06-02</a:t>
             </a:fld>
             <a:endParaRPr lang="ko-KR" altLang="en-US"/>
           </a:p>
@@ -2097,7 +2098,7 @@
           <a:p>
             <a:fld id="{FB30EDBD-1C2D-4C1E-B459-B60219FAB484}" type="datetimeFigureOut">
               <a:rPr lang="ko-KR" altLang="en-US" smtClean="0"/>
-              <a:t>2021-06-01</a:t>
+              <a:t>2021-06-02</a:t>
             </a:fld>
             <a:endParaRPr lang="ko-KR" altLang="en-US"/>
           </a:p>
@@ -2209,7 +2210,7 @@
           <a:p>
             <a:fld id="{FB30EDBD-1C2D-4C1E-B459-B60219FAB484}" type="datetimeFigureOut">
               <a:rPr lang="ko-KR" altLang="en-US" smtClean="0"/>
-              <a:t>2021-06-01</a:t>
+              <a:t>2021-06-02</a:t>
             </a:fld>
             <a:endParaRPr lang="ko-KR" altLang="en-US"/>
           </a:p>
@@ -2299,7 +2300,7 @@
           <a:p>
             <a:fld id="{FB30EDBD-1C2D-4C1E-B459-B60219FAB484}" type="datetimeFigureOut">
               <a:rPr lang="ko-KR" altLang="en-US" smtClean="0"/>
-              <a:t>2021-06-01</a:t>
+              <a:t>2021-06-02</a:t>
             </a:fld>
             <a:endParaRPr lang="ko-KR" altLang="en-US"/>
           </a:p>
@@ -2569,7 +2570,7 @@
           <a:p>
             <a:fld id="{FB30EDBD-1C2D-4C1E-B459-B60219FAB484}" type="datetimeFigureOut">
               <a:rPr lang="ko-KR" altLang="en-US" smtClean="0"/>
-              <a:t>2021-06-01</a:t>
+              <a:t>2021-06-02</a:t>
             </a:fld>
             <a:endParaRPr lang="ko-KR" altLang="en-US"/>
           </a:p>
@@ -2816,7 +2817,7 @@
           <a:p>
             <a:fld id="{FB30EDBD-1C2D-4C1E-B459-B60219FAB484}" type="datetimeFigureOut">
               <a:rPr lang="ko-KR" altLang="en-US" smtClean="0"/>
-              <a:t>2021-06-01</a:t>
+              <a:t>2021-06-02</a:t>
             </a:fld>
             <a:endParaRPr lang="ko-KR" altLang="en-US"/>
           </a:p>
@@ -3022,7 +3023,7 @@
           <a:p>
             <a:fld id="{FB30EDBD-1C2D-4C1E-B459-B60219FAB484}" type="datetimeFigureOut">
               <a:rPr lang="ko-KR" altLang="en-US" smtClean="0"/>
-              <a:t>2021-06-01</a:t>
+              <a:t>2021-06-02</a:t>
             </a:fld>
             <a:endParaRPr lang="ko-KR" altLang="en-US"/>
           </a:p>
@@ -3441,7 +3442,7 @@
         <p:spPr>
           <a:xfrm>
             <a:off x="2396019" y="1491630"/>
-            <a:ext cx="1487272" cy="2232248"/>
+            <a:ext cx="1487272" cy="1768100"/>
           </a:xfrm>
           <a:prstGeom prst="can">
             <a:avLst>
@@ -3934,162 +3935,6 @@
           </a:p>
         </p:txBody>
       </p:sp>
-      <p:sp>
-        <p:nvSpPr>
-          <p:cNvPr id="3" name="타원 2">
-            <a:extLst>
-              <a:ext uri="{FF2B5EF4-FFF2-40B4-BE49-F238E27FC236}">
-                <a16:creationId xmlns:a16="http://schemas.microsoft.com/office/drawing/2014/main" id="{77E7D701-FF35-4A61-8FBD-BBFE23827D71}"/>
-              </a:ext>
-            </a:extLst>
-          </p:cNvPr>
-          <p:cNvSpPr/>
-          <p:nvPr/>
-        </p:nvSpPr>
-        <p:spPr>
-          <a:xfrm>
-            <a:off x="3114668" y="2931790"/>
-            <a:ext cx="82708" cy="82708"/>
-          </a:xfrm>
-          <a:prstGeom prst="ellipse">
-            <a:avLst/>
-          </a:prstGeom>
-          <a:solidFill>
-            <a:schemeClr val="tx1"/>
-          </a:solidFill>
-          <a:ln>
-            <a:noFill/>
-          </a:ln>
-        </p:spPr>
-        <p:style>
-          <a:lnRef idx="2">
-            <a:schemeClr val="accent1">
-              <a:shade val="50000"/>
-            </a:schemeClr>
-          </a:lnRef>
-          <a:fillRef idx="1">
-            <a:schemeClr val="accent1"/>
-          </a:fillRef>
-          <a:effectRef idx="0">
-            <a:schemeClr val="accent1"/>
-          </a:effectRef>
-          <a:fontRef idx="minor">
-            <a:schemeClr val="lt1"/>
-          </a:fontRef>
-        </p:style>
-        <p:txBody>
-          <a:bodyPr rtlCol="0" anchor="ctr"/>
-          <a:lstStyle/>
-          <a:p>
-            <a:pPr algn="ctr"/>
-            <a:endParaRPr lang="ko-KR" altLang="en-US"/>
-          </a:p>
-        </p:txBody>
-      </p:sp>
-      <p:sp>
-        <p:nvSpPr>
-          <p:cNvPr id="33" name="타원 32">
-            <a:extLst>
-              <a:ext uri="{FF2B5EF4-FFF2-40B4-BE49-F238E27FC236}">
-                <a16:creationId xmlns:a16="http://schemas.microsoft.com/office/drawing/2014/main" id="{30517BF4-A68B-44A7-9528-21D0BD792F61}"/>
-              </a:ext>
-            </a:extLst>
-          </p:cNvPr>
-          <p:cNvSpPr/>
-          <p:nvPr/>
-        </p:nvSpPr>
-        <p:spPr>
-          <a:xfrm>
-            <a:off x="3114668" y="3075806"/>
-            <a:ext cx="82708" cy="82708"/>
-          </a:xfrm>
-          <a:prstGeom prst="ellipse">
-            <a:avLst/>
-          </a:prstGeom>
-          <a:solidFill>
-            <a:schemeClr val="tx1"/>
-          </a:solidFill>
-          <a:ln>
-            <a:noFill/>
-          </a:ln>
-        </p:spPr>
-        <p:style>
-          <a:lnRef idx="2">
-            <a:schemeClr val="accent1">
-              <a:shade val="50000"/>
-            </a:schemeClr>
-          </a:lnRef>
-          <a:fillRef idx="1">
-            <a:schemeClr val="accent1"/>
-          </a:fillRef>
-          <a:effectRef idx="0">
-            <a:schemeClr val="accent1"/>
-          </a:effectRef>
-          <a:fontRef idx="minor">
-            <a:schemeClr val="lt1"/>
-          </a:fontRef>
-        </p:style>
-        <p:txBody>
-          <a:bodyPr rtlCol="0" anchor="ctr"/>
-          <a:lstStyle/>
-          <a:p>
-            <a:pPr algn="ctr"/>
-            <a:endParaRPr lang="ko-KR" altLang="en-US"/>
-          </a:p>
-        </p:txBody>
-      </p:sp>
-      <p:sp>
-        <p:nvSpPr>
-          <p:cNvPr id="34" name="타원 33">
-            <a:extLst>
-              <a:ext uri="{FF2B5EF4-FFF2-40B4-BE49-F238E27FC236}">
-                <a16:creationId xmlns:a16="http://schemas.microsoft.com/office/drawing/2014/main" id="{F7BCC1B6-F50B-4863-9744-1326B20A9A2E}"/>
-              </a:ext>
-            </a:extLst>
-          </p:cNvPr>
-          <p:cNvSpPr/>
-          <p:nvPr/>
-        </p:nvSpPr>
-        <p:spPr>
-          <a:xfrm>
-            <a:off x="3114668" y="3219822"/>
-            <a:ext cx="82708" cy="82708"/>
-          </a:xfrm>
-          <a:prstGeom prst="ellipse">
-            <a:avLst/>
-          </a:prstGeom>
-          <a:solidFill>
-            <a:schemeClr val="tx1"/>
-          </a:solidFill>
-          <a:ln>
-            <a:noFill/>
-          </a:ln>
-        </p:spPr>
-        <p:style>
-          <a:lnRef idx="2">
-            <a:schemeClr val="accent1">
-              <a:shade val="50000"/>
-            </a:schemeClr>
-          </a:lnRef>
-          <a:fillRef idx="1">
-            <a:schemeClr val="accent1"/>
-          </a:fillRef>
-          <a:effectRef idx="0">
-            <a:schemeClr val="accent1"/>
-          </a:effectRef>
-          <a:fontRef idx="minor">
-            <a:schemeClr val="lt1"/>
-          </a:fontRef>
-        </p:style>
-        <p:txBody>
-          <a:bodyPr rtlCol="0" anchor="ctr"/>
-          <a:lstStyle/>
-          <a:p>
-            <a:pPr algn="ctr"/>
-            <a:endParaRPr lang="ko-KR" altLang="en-US"/>
-          </a:p>
-        </p:txBody>
-      </p:sp>
       <p:cxnSp>
         <p:nvCxnSpPr>
           <p:cNvPr id="6" name="직선 연결선 5">
@@ -4107,7 +3952,7 @@
         <p:spPr>
           <a:xfrm>
             <a:off x="4572000" y="1347614"/>
-            <a:ext cx="0" cy="2736304"/>
+            <a:ext cx="0" cy="2376264"/>
           </a:xfrm>
           <a:prstGeom prst="line">
             <a:avLst/>
@@ -4148,7 +3993,7 @@
         </p:nvSpPr>
         <p:spPr>
           <a:xfrm>
-            <a:off x="2471946" y="3677140"/>
+            <a:off x="2471946" y="3291830"/>
             <a:ext cx="1368152" cy="349340"/>
           </a:xfrm>
           <a:prstGeom prst="roundRect">
@@ -4201,7 +4046,7 @@
         </p:nvSpPr>
         <p:spPr>
           <a:xfrm>
-            <a:off x="5278773" y="3677140"/>
+            <a:off x="5278773" y="3291830"/>
             <a:ext cx="1368152" cy="349340"/>
           </a:xfrm>
           <a:prstGeom prst="roundRect">
@@ -4240,6 +4085,49 @@
           </a:p>
         </p:txBody>
       </p:sp>
+      <p:cxnSp>
+        <p:nvCxnSpPr>
+          <p:cNvPr id="8" name="직선 화살표 연결선 7">
+            <a:extLst>
+              <a:ext uri="{FF2B5EF4-FFF2-40B4-BE49-F238E27FC236}">
+                <a16:creationId xmlns:a16="http://schemas.microsoft.com/office/drawing/2014/main" id="{A69FC840-AC7B-4743-8114-6DECF6BC0BE2}"/>
+              </a:ext>
+            </a:extLst>
+          </p:cNvPr>
+          <p:cNvCxnSpPr/>
+          <p:nvPr/>
+        </p:nvCxnSpPr>
+        <p:spPr>
+          <a:xfrm>
+            <a:off x="2267744" y="1779662"/>
+            <a:ext cx="0" cy="1296144"/>
+          </a:xfrm>
+          <a:prstGeom prst="straightConnector1">
+            <a:avLst/>
+          </a:prstGeom>
+          <a:ln w="19050">
+            <a:solidFill>
+              <a:schemeClr val="tx1"/>
+            </a:solidFill>
+            <a:headEnd type="none" w="med" len="med"/>
+            <a:tailEnd type="arrow" w="med" len="med"/>
+          </a:ln>
+        </p:spPr>
+        <p:style>
+          <a:lnRef idx="1">
+            <a:schemeClr val="accent1"/>
+          </a:lnRef>
+          <a:fillRef idx="0">
+            <a:schemeClr val="accent1"/>
+          </a:fillRef>
+          <a:effectRef idx="0">
+            <a:schemeClr val="accent1"/>
+          </a:effectRef>
+          <a:fontRef idx="minor">
+            <a:schemeClr val="tx1"/>
+          </a:fontRef>
+        </p:style>
+      </p:cxnSp>
     </p:spTree>
     <p:extLst>
       <p:ext uri="{BB962C8B-B14F-4D97-AF65-F5344CB8AC3E}">
@@ -5798,6 +5686,884 @@
       </p:sp>
       <p:sp>
         <p:nvSpPr>
+          <p:cNvPr id="5" name="원통형 4">
+            <a:extLst>
+              <a:ext uri="{FF2B5EF4-FFF2-40B4-BE49-F238E27FC236}">
+                <a16:creationId xmlns:a16="http://schemas.microsoft.com/office/drawing/2014/main" id="{FAC56514-D9B2-41C7-AE0E-23ADC6396C35}"/>
+              </a:ext>
+            </a:extLst>
+          </p:cNvPr>
+          <p:cNvSpPr/>
+          <p:nvPr/>
+        </p:nvSpPr>
+        <p:spPr>
+          <a:xfrm>
+            <a:off x="2396019" y="1491630"/>
+            <a:ext cx="1487272" cy="2232248"/>
+          </a:xfrm>
+          <a:prstGeom prst="can">
+            <a:avLst>
+              <a:gd name="adj" fmla="val 16441"/>
+            </a:avLst>
+          </a:prstGeom>
+        </p:spPr>
+        <p:style>
+          <a:lnRef idx="2">
+            <a:schemeClr val="dk1"/>
+          </a:lnRef>
+          <a:fillRef idx="1">
+            <a:schemeClr val="lt1"/>
+          </a:fillRef>
+          <a:effectRef idx="0">
+            <a:schemeClr val="dk1"/>
+          </a:effectRef>
+          <a:fontRef idx="minor">
+            <a:schemeClr val="dk1"/>
+          </a:fontRef>
+        </p:style>
+        <p:txBody>
+          <a:bodyPr rtlCol="0" anchor="b"/>
+          <a:lstStyle/>
+          <a:p>
+            <a:pPr algn="ctr"/>
+            <a:r>
+              <a:rPr lang="en-US" altLang="ko-KR" sz="1200"/>
+              <a:t>Event Store</a:t>
+            </a:r>
+            <a:endParaRPr lang="ko-KR" altLang="en-US" sz="1200"/>
+          </a:p>
+        </p:txBody>
+      </p:sp>
+      <p:sp>
+        <p:nvSpPr>
+          <p:cNvPr id="44" name="사각형: 둥근 모서리 43">
+            <a:extLst>
+              <a:ext uri="{FF2B5EF4-FFF2-40B4-BE49-F238E27FC236}">
+                <a16:creationId xmlns:a16="http://schemas.microsoft.com/office/drawing/2014/main" id="{CD7760F1-123F-47E1-B194-FFA3698EC3CF}"/>
+              </a:ext>
+            </a:extLst>
+          </p:cNvPr>
+          <p:cNvSpPr/>
+          <p:nvPr/>
+        </p:nvSpPr>
+        <p:spPr>
+          <a:xfrm>
+            <a:off x="2505870" y="1831716"/>
+            <a:ext cx="1267570" cy="257883"/>
+          </a:xfrm>
+          <a:prstGeom prst="roundRect">
+            <a:avLst>
+              <a:gd name="adj" fmla="val 15249"/>
+            </a:avLst>
+          </a:prstGeom>
+        </p:spPr>
+        <p:style>
+          <a:lnRef idx="2">
+            <a:schemeClr val="dk1"/>
+          </a:lnRef>
+          <a:fillRef idx="1">
+            <a:schemeClr val="lt1"/>
+          </a:fillRef>
+          <a:effectRef idx="0">
+            <a:schemeClr val="dk1"/>
+          </a:effectRef>
+          <a:fontRef idx="minor">
+            <a:schemeClr val="dk1"/>
+          </a:fontRef>
+        </p:style>
+        <p:txBody>
+          <a:bodyPr rtlCol="0" anchor="ctr"/>
+          <a:lstStyle/>
+          <a:p>
+            <a:pPr algn="ctr"/>
+            <a:r>
+              <a:rPr lang="en-US" altLang="ko-KR" sz="1100"/>
+              <a:t>phone +2</a:t>
+            </a:r>
+            <a:endParaRPr lang="ko-KR" altLang="en-US" sz="1100"/>
+          </a:p>
+        </p:txBody>
+      </p:sp>
+      <p:sp>
+        <p:nvSpPr>
+          <p:cNvPr id="45" name="사각형: 둥근 모서리 44">
+            <a:extLst>
+              <a:ext uri="{FF2B5EF4-FFF2-40B4-BE49-F238E27FC236}">
+                <a16:creationId xmlns:a16="http://schemas.microsoft.com/office/drawing/2014/main" id="{D3AFFFF8-4A3E-4EE5-9906-D235D9D22C4C}"/>
+              </a:ext>
+            </a:extLst>
+          </p:cNvPr>
+          <p:cNvSpPr/>
+          <p:nvPr/>
+        </p:nvSpPr>
+        <p:spPr>
+          <a:xfrm>
+            <a:off x="2505870" y="2089599"/>
+            <a:ext cx="1267570" cy="257883"/>
+          </a:xfrm>
+          <a:prstGeom prst="roundRect">
+            <a:avLst>
+              <a:gd name="adj" fmla="val 15249"/>
+            </a:avLst>
+          </a:prstGeom>
+        </p:spPr>
+        <p:style>
+          <a:lnRef idx="2">
+            <a:schemeClr val="dk1"/>
+          </a:lnRef>
+          <a:fillRef idx="1">
+            <a:schemeClr val="lt1"/>
+          </a:fillRef>
+          <a:effectRef idx="0">
+            <a:schemeClr val="dk1"/>
+          </a:effectRef>
+          <a:fontRef idx="minor">
+            <a:schemeClr val="dk1"/>
+          </a:fontRef>
+        </p:style>
+        <p:txBody>
+          <a:bodyPr rtlCol="0" anchor="ctr"/>
+          <a:lstStyle/>
+          <a:p>
+            <a:pPr algn="ctr"/>
+            <a:r>
+              <a:rPr lang="en-US" altLang="ko-KR" sz="1100"/>
+              <a:t>book +4</a:t>
+            </a:r>
+            <a:endParaRPr lang="ko-KR" altLang="en-US" sz="1100"/>
+          </a:p>
+        </p:txBody>
+      </p:sp>
+      <p:sp>
+        <p:nvSpPr>
+          <p:cNvPr id="46" name="사각형: 둥근 모서리 45">
+            <a:extLst>
+              <a:ext uri="{FF2B5EF4-FFF2-40B4-BE49-F238E27FC236}">
+                <a16:creationId xmlns:a16="http://schemas.microsoft.com/office/drawing/2014/main" id="{B7226514-9605-4517-AE7A-3C6054F28FDF}"/>
+              </a:ext>
+            </a:extLst>
+          </p:cNvPr>
+          <p:cNvSpPr/>
+          <p:nvPr/>
+        </p:nvSpPr>
+        <p:spPr>
+          <a:xfrm>
+            <a:off x="2505870" y="2346472"/>
+            <a:ext cx="1267570" cy="257883"/>
+          </a:xfrm>
+          <a:prstGeom prst="roundRect">
+            <a:avLst>
+              <a:gd name="adj" fmla="val 15249"/>
+            </a:avLst>
+          </a:prstGeom>
+        </p:spPr>
+        <p:style>
+          <a:lnRef idx="2">
+            <a:schemeClr val="dk1"/>
+          </a:lnRef>
+          <a:fillRef idx="1">
+            <a:schemeClr val="lt1"/>
+          </a:fillRef>
+          <a:effectRef idx="0">
+            <a:schemeClr val="dk1"/>
+          </a:effectRef>
+          <a:fontRef idx="minor">
+            <a:schemeClr val="dk1"/>
+          </a:fontRef>
+        </p:style>
+        <p:txBody>
+          <a:bodyPr rtlCol="0" anchor="ctr"/>
+          <a:lstStyle/>
+          <a:p>
+            <a:pPr algn="ctr"/>
+            <a:r>
+              <a:rPr lang="en-US" altLang="ko-KR" sz="1100"/>
+              <a:t>phone +3</a:t>
+            </a:r>
+            <a:endParaRPr lang="ko-KR" altLang="en-US" sz="1100"/>
+          </a:p>
+        </p:txBody>
+      </p:sp>
+      <p:sp>
+        <p:nvSpPr>
+          <p:cNvPr id="52" name="원통형 51">
+            <a:extLst>
+              <a:ext uri="{FF2B5EF4-FFF2-40B4-BE49-F238E27FC236}">
+                <a16:creationId xmlns:a16="http://schemas.microsoft.com/office/drawing/2014/main" id="{9CC6A4D3-E0A6-4172-9B34-9835484C6432}"/>
+              </a:ext>
+            </a:extLst>
+          </p:cNvPr>
+          <p:cNvSpPr/>
+          <p:nvPr/>
+        </p:nvSpPr>
+        <p:spPr>
+          <a:xfrm>
+            <a:off x="5220072" y="1995686"/>
+            <a:ext cx="1487272" cy="1264044"/>
+          </a:xfrm>
+          <a:prstGeom prst="can">
+            <a:avLst>
+              <a:gd name="adj" fmla="val 16441"/>
+            </a:avLst>
+          </a:prstGeom>
+        </p:spPr>
+        <p:style>
+          <a:lnRef idx="2">
+            <a:schemeClr val="dk1"/>
+          </a:lnRef>
+          <a:fillRef idx="1">
+            <a:schemeClr val="lt1"/>
+          </a:fillRef>
+          <a:effectRef idx="0">
+            <a:schemeClr val="dk1"/>
+          </a:effectRef>
+          <a:fontRef idx="minor">
+            <a:schemeClr val="dk1"/>
+          </a:fontRef>
+        </p:style>
+        <p:txBody>
+          <a:bodyPr rtlCol="0" anchor="b"/>
+          <a:lstStyle/>
+          <a:p>
+            <a:pPr algn="ctr"/>
+            <a:r>
+              <a:rPr lang="en-US" altLang="ko-KR" sz="1200"/>
+              <a:t>Database</a:t>
+            </a:r>
+            <a:endParaRPr lang="ko-KR" altLang="en-US" sz="1200"/>
+          </a:p>
+        </p:txBody>
+      </p:sp>
+      <p:sp>
+        <p:nvSpPr>
+          <p:cNvPr id="53" name="사각형: 둥근 모서리 52">
+            <a:extLst>
+              <a:ext uri="{FF2B5EF4-FFF2-40B4-BE49-F238E27FC236}">
+                <a16:creationId xmlns:a16="http://schemas.microsoft.com/office/drawing/2014/main" id="{78E39BB1-30FB-41BC-8185-51118F1A4B98}"/>
+              </a:ext>
+            </a:extLst>
+          </p:cNvPr>
+          <p:cNvSpPr/>
+          <p:nvPr/>
+        </p:nvSpPr>
+        <p:spPr>
+          <a:xfrm>
+            <a:off x="5329923" y="2335772"/>
+            <a:ext cx="864096" cy="257883"/>
+          </a:xfrm>
+          <a:prstGeom prst="roundRect">
+            <a:avLst>
+              <a:gd name="adj" fmla="val 15249"/>
+            </a:avLst>
+          </a:prstGeom>
+        </p:spPr>
+        <p:style>
+          <a:lnRef idx="2">
+            <a:schemeClr val="dk1"/>
+          </a:lnRef>
+          <a:fillRef idx="1">
+            <a:schemeClr val="lt1"/>
+          </a:fillRef>
+          <a:effectRef idx="0">
+            <a:schemeClr val="dk1"/>
+          </a:effectRef>
+          <a:fontRef idx="minor">
+            <a:schemeClr val="dk1"/>
+          </a:fontRef>
+        </p:style>
+        <p:txBody>
+          <a:bodyPr rtlCol="0" anchor="ctr"/>
+          <a:lstStyle/>
+          <a:p>
+            <a:pPr algn="ctr"/>
+            <a:r>
+              <a:rPr lang="en-US" altLang="ko-KR" sz="1100"/>
+              <a:t>phone</a:t>
+            </a:r>
+            <a:endParaRPr lang="ko-KR" altLang="en-US" sz="1100"/>
+          </a:p>
+        </p:txBody>
+      </p:sp>
+      <p:sp>
+        <p:nvSpPr>
+          <p:cNvPr id="56" name="사각형: 둥근 모서리 55">
+            <a:extLst>
+              <a:ext uri="{FF2B5EF4-FFF2-40B4-BE49-F238E27FC236}">
+                <a16:creationId xmlns:a16="http://schemas.microsoft.com/office/drawing/2014/main" id="{18AD1C90-650C-4515-BBA9-2F884063F646}"/>
+              </a:ext>
+            </a:extLst>
+          </p:cNvPr>
+          <p:cNvSpPr/>
+          <p:nvPr/>
+        </p:nvSpPr>
+        <p:spPr>
+          <a:xfrm>
+            <a:off x="6194019" y="2335772"/>
+            <a:ext cx="403474" cy="257883"/>
+          </a:xfrm>
+          <a:prstGeom prst="roundRect">
+            <a:avLst>
+              <a:gd name="adj" fmla="val 15249"/>
+            </a:avLst>
+          </a:prstGeom>
+        </p:spPr>
+        <p:style>
+          <a:lnRef idx="2">
+            <a:schemeClr val="dk1"/>
+          </a:lnRef>
+          <a:fillRef idx="1">
+            <a:schemeClr val="lt1"/>
+          </a:fillRef>
+          <a:effectRef idx="0">
+            <a:schemeClr val="dk1"/>
+          </a:effectRef>
+          <a:fontRef idx="minor">
+            <a:schemeClr val="dk1"/>
+          </a:fontRef>
+        </p:style>
+        <p:txBody>
+          <a:bodyPr rtlCol="0" anchor="ctr"/>
+          <a:lstStyle/>
+          <a:p>
+            <a:pPr algn="ctr"/>
+            <a:r>
+              <a:rPr lang="en-US" altLang="ko-KR" sz="1100"/>
+              <a:t>6</a:t>
+            </a:r>
+            <a:endParaRPr lang="ko-KR" altLang="en-US" sz="1100"/>
+          </a:p>
+        </p:txBody>
+      </p:sp>
+      <p:sp>
+        <p:nvSpPr>
+          <p:cNvPr id="57" name="사각형: 둥근 모서리 56">
+            <a:extLst>
+              <a:ext uri="{FF2B5EF4-FFF2-40B4-BE49-F238E27FC236}">
+                <a16:creationId xmlns:a16="http://schemas.microsoft.com/office/drawing/2014/main" id="{02436563-ABF9-46C8-929C-11AF988B2A33}"/>
+              </a:ext>
+            </a:extLst>
+          </p:cNvPr>
+          <p:cNvSpPr/>
+          <p:nvPr/>
+        </p:nvSpPr>
+        <p:spPr>
+          <a:xfrm>
+            <a:off x="5329923" y="2593150"/>
+            <a:ext cx="864096" cy="257883"/>
+          </a:xfrm>
+          <a:prstGeom prst="roundRect">
+            <a:avLst>
+              <a:gd name="adj" fmla="val 15249"/>
+            </a:avLst>
+          </a:prstGeom>
+        </p:spPr>
+        <p:style>
+          <a:lnRef idx="2">
+            <a:schemeClr val="dk1"/>
+          </a:lnRef>
+          <a:fillRef idx="1">
+            <a:schemeClr val="lt1"/>
+          </a:fillRef>
+          <a:effectRef idx="0">
+            <a:schemeClr val="dk1"/>
+          </a:effectRef>
+          <a:fontRef idx="minor">
+            <a:schemeClr val="dk1"/>
+          </a:fontRef>
+        </p:style>
+        <p:txBody>
+          <a:bodyPr rtlCol="0" anchor="ctr"/>
+          <a:lstStyle/>
+          <a:p>
+            <a:pPr algn="ctr"/>
+            <a:r>
+              <a:rPr lang="en-US" altLang="ko-KR" sz="1100"/>
+              <a:t>book</a:t>
+            </a:r>
+            <a:endParaRPr lang="ko-KR" altLang="en-US" sz="1100"/>
+          </a:p>
+        </p:txBody>
+      </p:sp>
+      <p:sp>
+        <p:nvSpPr>
+          <p:cNvPr id="58" name="사각형: 둥근 모서리 57">
+            <a:extLst>
+              <a:ext uri="{FF2B5EF4-FFF2-40B4-BE49-F238E27FC236}">
+                <a16:creationId xmlns:a16="http://schemas.microsoft.com/office/drawing/2014/main" id="{8882E4F7-7C5B-45A2-B75C-F2D5C209A955}"/>
+              </a:ext>
+            </a:extLst>
+          </p:cNvPr>
+          <p:cNvSpPr/>
+          <p:nvPr/>
+        </p:nvSpPr>
+        <p:spPr>
+          <a:xfrm>
+            <a:off x="6194019" y="2593150"/>
+            <a:ext cx="403474" cy="257883"/>
+          </a:xfrm>
+          <a:prstGeom prst="roundRect">
+            <a:avLst>
+              <a:gd name="adj" fmla="val 15249"/>
+            </a:avLst>
+          </a:prstGeom>
+        </p:spPr>
+        <p:style>
+          <a:lnRef idx="2">
+            <a:schemeClr val="dk1"/>
+          </a:lnRef>
+          <a:fillRef idx="1">
+            <a:schemeClr val="lt1"/>
+          </a:fillRef>
+          <a:effectRef idx="0">
+            <a:schemeClr val="dk1"/>
+          </a:effectRef>
+          <a:fontRef idx="minor">
+            <a:schemeClr val="dk1"/>
+          </a:fontRef>
+        </p:style>
+        <p:txBody>
+          <a:bodyPr rtlCol="0" anchor="ctr"/>
+          <a:lstStyle/>
+          <a:p>
+            <a:pPr algn="ctr"/>
+            <a:r>
+              <a:rPr lang="en-US" altLang="ko-KR" sz="1100"/>
+              <a:t>3</a:t>
+            </a:r>
+            <a:endParaRPr lang="ko-KR" altLang="en-US" sz="1100"/>
+          </a:p>
+        </p:txBody>
+      </p:sp>
+      <p:sp>
+        <p:nvSpPr>
+          <p:cNvPr id="31" name="사각형: 둥근 모서리 30">
+            <a:extLst>
+              <a:ext uri="{FF2B5EF4-FFF2-40B4-BE49-F238E27FC236}">
+                <a16:creationId xmlns:a16="http://schemas.microsoft.com/office/drawing/2014/main" id="{5909F938-71A1-4D76-BC53-7C812146E4D0}"/>
+              </a:ext>
+            </a:extLst>
+          </p:cNvPr>
+          <p:cNvSpPr/>
+          <p:nvPr/>
+        </p:nvSpPr>
+        <p:spPr>
+          <a:xfrm>
+            <a:off x="2505870" y="2603345"/>
+            <a:ext cx="1267570" cy="257883"/>
+          </a:xfrm>
+          <a:prstGeom prst="roundRect">
+            <a:avLst>
+              <a:gd name="adj" fmla="val 15249"/>
+            </a:avLst>
+          </a:prstGeom>
+        </p:spPr>
+        <p:style>
+          <a:lnRef idx="2">
+            <a:schemeClr val="dk1"/>
+          </a:lnRef>
+          <a:fillRef idx="1">
+            <a:schemeClr val="lt1"/>
+          </a:fillRef>
+          <a:effectRef idx="0">
+            <a:schemeClr val="dk1"/>
+          </a:effectRef>
+          <a:fontRef idx="minor">
+            <a:schemeClr val="dk1"/>
+          </a:fontRef>
+        </p:style>
+        <p:txBody>
+          <a:bodyPr rtlCol="0" anchor="ctr"/>
+          <a:lstStyle/>
+          <a:p>
+            <a:pPr algn="ctr"/>
+            <a:r>
+              <a:rPr lang="en-US" altLang="ko-KR" sz="1100"/>
+              <a:t>book</a:t>
+            </a:r>
+            <a:r>
+              <a:rPr lang="ko-KR" altLang="en-US" sz="1100"/>
+              <a:t> </a:t>
+            </a:r>
+            <a:r>
+              <a:rPr lang="en-US" altLang="ko-KR" sz="1100"/>
+              <a:t>-1</a:t>
+            </a:r>
+            <a:endParaRPr lang="ko-KR" altLang="en-US" sz="1100"/>
+          </a:p>
+        </p:txBody>
+      </p:sp>
+      <p:sp>
+        <p:nvSpPr>
+          <p:cNvPr id="3" name="타원 2">
+            <a:extLst>
+              <a:ext uri="{FF2B5EF4-FFF2-40B4-BE49-F238E27FC236}">
+                <a16:creationId xmlns:a16="http://schemas.microsoft.com/office/drawing/2014/main" id="{77E7D701-FF35-4A61-8FBD-BBFE23827D71}"/>
+              </a:ext>
+            </a:extLst>
+          </p:cNvPr>
+          <p:cNvSpPr/>
+          <p:nvPr/>
+        </p:nvSpPr>
+        <p:spPr>
+          <a:xfrm>
+            <a:off x="3114668" y="2931790"/>
+            <a:ext cx="82708" cy="82708"/>
+          </a:xfrm>
+          <a:prstGeom prst="ellipse">
+            <a:avLst/>
+          </a:prstGeom>
+          <a:solidFill>
+            <a:schemeClr val="tx1"/>
+          </a:solidFill>
+          <a:ln>
+            <a:noFill/>
+          </a:ln>
+        </p:spPr>
+        <p:style>
+          <a:lnRef idx="2">
+            <a:schemeClr val="accent1">
+              <a:shade val="50000"/>
+            </a:schemeClr>
+          </a:lnRef>
+          <a:fillRef idx="1">
+            <a:schemeClr val="accent1"/>
+          </a:fillRef>
+          <a:effectRef idx="0">
+            <a:schemeClr val="accent1"/>
+          </a:effectRef>
+          <a:fontRef idx="minor">
+            <a:schemeClr val="lt1"/>
+          </a:fontRef>
+        </p:style>
+        <p:txBody>
+          <a:bodyPr rtlCol="0" anchor="ctr"/>
+          <a:lstStyle/>
+          <a:p>
+            <a:pPr algn="ctr"/>
+            <a:endParaRPr lang="ko-KR" altLang="en-US"/>
+          </a:p>
+        </p:txBody>
+      </p:sp>
+      <p:sp>
+        <p:nvSpPr>
+          <p:cNvPr id="33" name="타원 32">
+            <a:extLst>
+              <a:ext uri="{FF2B5EF4-FFF2-40B4-BE49-F238E27FC236}">
+                <a16:creationId xmlns:a16="http://schemas.microsoft.com/office/drawing/2014/main" id="{30517BF4-A68B-44A7-9528-21D0BD792F61}"/>
+              </a:ext>
+            </a:extLst>
+          </p:cNvPr>
+          <p:cNvSpPr/>
+          <p:nvPr/>
+        </p:nvSpPr>
+        <p:spPr>
+          <a:xfrm>
+            <a:off x="3114668" y="3075806"/>
+            <a:ext cx="82708" cy="82708"/>
+          </a:xfrm>
+          <a:prstGeom prst="ellipse">
+            <a:avLst/>
+          </a:prstGeom>
+          <a:solidFill>
+            <a:schemeClr val="tx1"/>
+          </a:solidFill>
+          <a:ln>
+            <a:noFill/>
+          </a:ln>
+        </p:spPr>
+        <p:style>
+          <a:lnRef idx="2">
+            <a:schemeClr val="accent1">
+              <a:shade val="50000"/>
+            </a:schemeClr>
+          </a:lnRef>
+          <a:fillRef idx="1">
+            <a:schemeClr val="accent1"/>
+          </a:fillRef>
+          <a:effectRef idx="0">
+            <a:schemeClr val="accent1"/>
+          </a:effectRef>
+          <a:fontRef idx="minor">
+            <a:schemeClr val="lt1"/>
+          </a:fontRef>
+        </p:style>
+        <p:txBody>
+          <a:bodyPr rtlCol="0" anchor="ctr"/>
+          <a:lstStyle/>
+          <a:p>
+            <a:pPr algn="ctr"/>
+            <a:endParaRPr lang="ko-KR" altLang="en-US"/>
+          </a:p>
+        </p:txBody>
+      </p:sp>
+      <p:sp>
+        <p:nvSpPr>
+          <p:cNvPr id="34" name="타원 33">
+            <a:extLst>
+              <a:ext uri="{FF2B5EF4-FFF2-40B4-BE49-F238E27FC236}">
+                <a16:creationId xmlns:a16="http://schemas.microsoft.com/office/drawing/2014/main" id="{F7BCC1B6-F50B-4863-9744-1326B20A9A2E}"/>
+              </a:ext>
+            </a:extLst>
+          </p:cNvPr>
+          <p:cNvSpPr/>
+          <p:nvPr/>
+        </p:nvSpPr>
+        <p:spPr>
+          <a:xfrm>
+            <a:off x="3114668" y="3219822"/>
+            <a:ext cx="82708" cy="82708"/>
+          </a:xfrm>
+          <a:prstGeom prst="ellipse">
+            <a:avLst/>
+          </a:prstGeom>
+          <a:solidFill>
+            <a:schemeClr val="tx1"/>
+          </a:solidFill>
+          <a:ln>
+            <a:noFill/>
+          </a:ln>
+        </p:spPr>
+        <p:style>
+          <a:lnRef idx="2">
+            <a:schemeClr val="accent1">
+              <a:shade val="50000"/>
+            </a:schemeClr>
+          </a:lnRef>
+          <a:fillRef idx="1">
+            <a:schemeClr val="accent1"/>
+          </a:fillRef>
+          <a:effectRef idx="0">
+            <a:schemeClr val="accent1"/>
+          </a:effectRef>
+          <a:fontRef idx="minor">
+            <a:schemeClr val="lt1"/>
+          </a:fontRef>
+        </p:style>
+        <p:txBody>
+          <a:bodyPr rtlCol="0" anchor="ctr"/>
+          <a:lstStyle/>
+          <a:p>
+            <a:pPr algn="ctr"/>
+            <a:endParaRPr lang="ko-KR" altLang="en-US"/>
+          </a:p>
+        </p:txBody>
+      </p:sp>
+      <p:cxnSp>
+        <p:nvCxnSpPr>
+          <p:cNvPr id="6" name="직선 연결선 5">
+            <a:extLst>
+              <a:ext uri="{FF2B5EF4-FFF2-40B4-BE49-F238E27FC236}">
+                <a16:creationId xmlns:a16="http://schemas.microsoft.com/office/drawing/2014/main" id="{AB2ABF1D-0A89-4D1F-9F7E-2D23009A58EC}"/>
+              </a:ext>
+            </a:extLst>
+          </p:cNvPr>
+          <p:cNvCxnSpPr>
+            <a:cxnSpLocks/>
+          </p:cNvCxnSpPr>
+          <p:nvPr/>
+        </p:nvCxnSpPr>
+        <p:spPr>
+          <a:xfrm>
+            <a:off x="4572000" y="1347614"/>
+            <a:ext cx="0" cy="2736304"/>
+          </a:xfrm>
+          <a:prstGeom prst="line">
+            <a:avLst/>
+          </a:prstGeom>
+          <a:ln w="28575">
+            <a:solidFill>
+              <a:schemeClr val="tx1"/>
+            </a:solidFill>
+            <a:prstDash val="dash"/>
+          </a:ln>
+        </p:spPr>
+        <p:style>
+          <a:lnRef idx="1">
+            <a:schemeClr val="accent1"/>
+          </a:lnRef>
+          <a:fillRef idx="0">
+            <a:schemeClr val="accent1"/>
+          </a:fillRef>
+          <a:effectRef idx="0">
+            <a:schemeClr val="accent1"/>
+          </a:effectRef>
+          <a:fontRef idx="minor">
+            <a:schemeClr val="tx1"/>
+          </a:fontRef>
+        </p:style>
+      </p:cxnSp>
+      <p:sp>
+        <p:nvSpPr>
+          <p:cNvPr id="39" name="사각형: 둥근 모서리 38">
+            <a:extLst>
+              <a:ext uri="{FF2B5EF4-FFF2-40B4-BE49-F238E27FC236}">
+                <a16:creationId xmlns:a16="http://schemas.microsoft.com/office/drawing/2014/main" id="{50540D73-CF50-4B24-9960-E516910C516B}"/>
+              </a:ext>
+            </a:extLst>
+          </p:cNvPr>
+          <p:cNvSpPr/>
+          <p:nvPr/>
+        </p:nvSpPr>
+        <p:spPr>
+          <a:xfrm>
+            <a:off x="2471946" y="3677140"/>
+            <a:ext cx="1368152" cy="349340"/>
+          </a:xfrm>
+          <a:prstGeom prst="roundRect">
+            <a:avLst>
+              <a:gd name="adj" fmla="val 15249"/>
+            </a:avLst>
+          </a:prstGeom>
+          <a:noFill/>
+          <a:ln>
+            <a:noFill/>
+          </a:ln>
+        </p:spPr>
+        <p:style>
+          <a:lnRef idx="2">
+            <a:schemeClr val="dk1"/>
+          </a:lnRef>
+          <a:fillRef idx="1">
+            <a:schemeClr val="lt1"/>
+          </a:fillRef>
+          <a:effectRef idx="0">
+            <a:schemeClr val="dk1"/>
+          </a:effectRef>
+          <a:fontRef idx="minor">
+            <a:schemeClr val="dk1"/>
+          </a:fontRef>
+        </p:style>
+        <p:txBody>
+          <a:bodyPr rtlCol="0" anchor="ctr"/>
+          <a:lstStyle/>
+          <a:p>
+            <a:pPr algn="ctr"/>
+            <a:r>
+              <a:rPr lang="en-US" altLang="ko-KR" sz="1200" b="1"/>
+              <a:t>Event Sourcing</a:t>
+            </a:r>
+          </a:p>
+        </p:txBody>
+      </p:sp>
+      <p:sp>
+        <p:nvSpPr>
+          <p:cNvPr id="40" name="사각형: 둥근 모서리 39">
+            <a:extLst>
+              <a:ext uri="{FF2B5EF4-FFF2-40B4-BE49-F238E27FC236}">
+                <a16:creationId xmlns:a16="http://schemas.microsoft.com/office/drawing/2014/main" id="{CFF7FCAF-ACE1-4CEB-BB46-752CC43A86A1}"/>
+              </a:ext>
+            </a:extLst>
+          </p:cNvPr>
+          <p:cNvSpPr/>
+          <p:nvPr/>
+        </p:nvSpPr>
+        <p:spPr>
+          <a:xfrm>
+            <a:off x="5278773" y="3677140"/>
+            <a:ext cx="1368152" cy="349340"/>
+          </a:xfrm>
+          <a:prstGeom prst="roundRect">
+            <a:avLst>
+              <a:gd name="adj" fmla="val 15249"/>
+            </a:avLst>
+          </a:prstGeom>
+          <a:noFill/>
+          <a:ln>
+            <a:noFill/>
+          </a:ln>
+        </p:spPr>
+        <p:style>
+          <a:lnRef idx="2">
+            <a:schemeClr val="dk1"/>
+          </a:lnRef>
+          <a:fillRef idx="1">
+            <a:schemeClr val="lt1"/>
+          </a:fillRef>
+          <a:effectRef idx="0">
+            <a:schemeClr val="dk1"/>
+          </a:effectRef>
+          <a:fontRef idx="minor">
+            <a:schemeClr val="dk1"/>
+          </a:fontRef>
+        </p:style>
+        <p:txBody>
+          <a:bodyPr rtlCol="0" anchor="ctr"/>
+          <a:lstStyle/>
+          <a:p>
+            <a:pPr algn="ctr"/>
+            <a:r>
+              <a:rPr lang="en-US" altLang="ko-KR" sz="1200" b="1"/>
+              <a:t>Normal CRUD</a:t>
+            </a:r>
+          </a:p>
+        </p:txBody>
+      </p:sp>
+    </p:spTree>
+    <p:extLst>
+      <p:ext uri="{BB962C8B-B14F-4D97-AF65-F5344CB8AC3E}">
+        <p14:creationId xmlns:p14="http://schemas.microsoft.com/office/powerpoint/2010/main" val="926426173"/>
+      </p:ext>
+    </p:extLst>
+  </p:cSld>
+  <p:clrMapOvr>
+    <a:masterClrMapping/>
+  </p:clrMapOvr>
+</p:sld>
+</file>
+
+<file path=ppt/slides/slide5.xml><?xml version="1.0" encoding="utf-8"?>
+<p:sld xmlns:a="http://schemas.openxmlformats.org/drawingml/2006/main" xmlns:r="http://schemas.openxmlformats.org/officeDocument/2006/relationships" xmlns:p="http://schemas.openxmlformats.org/presentationml/2006/main">
+  <p:cSld>
+    <p:spTree>
+      <p:nvGrpSpPr>
+        <p:cNvPr id="1" name=""/>
+        <p:cNvGrpSpPr/>
+        <p:nvPr/>
+      </p:nvGrpSpPr>
+      <p:grpSpPr>
+        <a:xfrm>
+          <a:off x="0" y="0"/>
+          <a:ext cx="0" cy="0"/>
+          <a:chOff x="0" y="0"/>
+          <a:chExt cx="0" cy="0"/>
+        </a:xfrm>
+      </p:grpSpPr>
+      <p:sp>
+        <p:nvSpPr>
+          <p:cNvPr id="2" name="제목 1">
+            <a:extLst>
+              <a:ext uri="{FF2B5EF4-FFF2-40B4-BE49-F238E27FC236}">
+                <a16:creationId xmlns:a16="http://schemas.microsoft.com/office/drawing/2014/main" id="{ACF342D6-DC59-400E-A435-E90C225B2F04}"/>
+              </a:ext>
+            </a:extLst>
+          </p:cNvPr>
+          <p:cNvSpPr>
+            <a:spLocks noGrp="1"/>
+          </p:cNvSpPr>
+          <p:nvPr>
+            <p:ph type="title"/>
+          </p:nvPr>
+        </p:nvSpPr>
+        <p:spPr>
+          <a:xfrm>
+            <a:off x="457200" y="-20538"/>
+            <a:ext cx="8229600" cy="857250"/>
+          </a:xfrm>
+        </p:spPr>
+        <p:txBody>
+          <a:bodyPr/>
+          <a:lstStyle/>
+          <a:p>
+            <a:r>
+              <a:rPr lang="en-US" altLang="ko-KR"/>
+              <a:t>Event Sourcing Pattern</a:t>
+            </a:r>
+            <a:endParaRPr lang="ko-KR" altLang="en-US"/>
+          </a:p>
+        </p:txBody>
+      </p:sp>
+      <p:sp>
+        <p:nvSpPr>
           <p:cNvPr id="34" name="사각형: 둥근 모서리 33">
             <a:extLst>
               <a:ext uri="{FF2B5EF4-FFF2-40B4-BE49-F238E27FC236}">
@@ -6295,7 +7061,7 @@
 </p:sld>
 </file>
 
-<file path=ppt/slides/slide5.xml><?xml version="1.0" encoding="utf-8"?>
+<file path=ppt/slides/slide6.xml><?xml version="1.0" encoding="utf-8"?>
 <p:sld xmlns:a="http://schemas.openxmlformats.org/drawingml/2006/main" xmlns:r="http://schemas.openxmlformats.org/officeDocument/2006/relationships" xmlns:p="http://schemas.openxmlformats.org/presentationml/2006/main">
   <p:cSld>
     <p:spTree>
@@ -7480,7 +8246,7 @@
 </p:sld>
 </file>
 
-<file path=ppt/slides/slide6.xml><?xml version="1.0" encoding="utf-8"?>
+<file path=ppt/slides/slide7.xml><?xml version="1.0" encoding="utf-8"?>
 <p:sld xmlns:a="http://schemas.openxmlformats.org/drawingml/2006/main" xmlns:r="http://schemas.openxmlformats.org/officeDocument/2006/relationships" xmlns:p="http://schemas.openxmlformats.org/presentationml/2006/main">
   <p:cSld>
     <p:spTree>

--- a/images/theory_analysis/Design_Pattern_Event_Sourcing/Design_Pattern_Event_Sourcing.pptx
+++ b/images/theory_analysis/Design_Pattern_Event_Sourcing/Design_Pattern_Event_Sourcing.pptx
@@ -5453,8 +5453,8 @@
         </p:nvSpPr>
         <p:spPr>
           <a:xfrm>
-            <a:off x="3880492" y="4361249"/>
-            <a:ext cx="1455024" cy="540062"/>
+            <a:off x="3880492" y="4361248"/>
+            <a:ext cx="1455024" cy="586765"/>
           </a:xfrm>
           <a:prstGeom prst="roundRect">
             <a:avLst>
@@ -5491,6 +5491,13 @@
             <a:r>
               <a:rPr lang="en-US" altLang="ko-KR" sz="1200"/>
               <a:t>Handler</a:t>
+            </a:r>
+          </a:p>
+          <a:p>
+            <a:pPr algn="ctr"/>
+            <a:r>
+              <a:rPr lang="en-US" altLang="ko-KR" sz="1200"/>
+              <a:t>(Projection)</a:t>
             </a:r>
             <a:endParaRPr lang="ko-KR" altLang="en-US" sz="1400"/>
           </a:p>
@@ -5515,7 +5522,7 @@
         <p:spPr>
           <a:xfrm flipH="1">
             <a:off x="4608004" y="4155926"/>
-            <a:ext cx="1" cy="205323"/>
+            <a:ext cx="1" cy="205322"/>
           </a:xfrm>
           <a:prstGeom prst="straightConnector1">
             <a:avLst/>
@@ -5562,7 +5569,7 @@
         <p:spPr>
           <a:xfrm flipV="1">
             <a:off x="5335516" y="3811936"/>
-            <a:ext cx="206753" cy="819344"/>
+            <a:ext cx="206753" cy="842695"/>
           </a:xfrm>
           <a:prstGeom prst="straightConnector1">
             <a:avLst/>

--- a/images/theory_analysis/Design_Pattern_Event_Sourcing/Design_Pattern_Event_Sourcing.pptx
+++ b/images/theory_analysis/Design_Pattern_Event_Sourcing/Design_Pattern_Event_Sourcing.pptx
@@ -219,7 +219,7 @@
           <a:p>
             <a:fld id="{6CD5550B-26C4-49A9-A5BA-636EF7BE6CE9}" type="datetimeFigureOut">
               <a:rPr lang="ko-KR" altLang="en-US" smtClean="0"/>
-              <a:t>2021-06-02</a:t>
+              <a:t>2021-06-03</a:t>
             </a:fld>
             <a:endParaRPr lang="ko-KR" altLang="en-US"/>
           </a:p>
@@ -665,7 +665,7 @@
           <a:p>
             <a:fld id="{FB30EDBD-1C2D-4C1E-B459-B60219FAB484}" type="datetimeFigureOut">
               <a:rPr lang="ko-KR" altLang="en-US" smtClean="0"/>
-              <a:t>2021-06-02</a:t>
+              <a:t>2021-06-03</a:t>
             </a:fld>
             <a:endParaRPr lang="ko-KR" altLang="en-US"/>
           </a:p>
@@ -828,7 +828,7 @@
           <a:p>
             <a:fld id="{FB30EDBD-1C2D-4C1E-B459-B60219FAB484}" type="datetimeFigureOut">
               <a:rPr lang="ko-KR" altLang="en-US" smtClean="0"/>
-              <a:t>2021-06-02</a:t>
+              <a:t>2021-06-03</a:t>
             </a:fld>
             <a:endParaRPr lang="ko-KR" altLang="en-US"/>
           </a:p>
@@ -1001,7 +1001,7 @@
           <a:p>
             <a:fld id="{FB30EDBD-1C2D-4C1E-B459-B60219FAB484}" type="datetimeFigureOut">
               <a:rPr lang="ko-KR" altLang="en-US" smtClean="0"/>
-              <a:t>2021-06-02</a:t>
+              <a:t>2021-06-03</a:t>
             </a:fld>
             <a:endParaRPr lang="ko-KR" altLang="en-US"/>
           </a:p>
@@ -1164,7 +1164,7 @@
           <a:p>
             <a:fld id="{FB30EDBD-1C2D-4C1E-B459-B60219FAB484}" type="datetimeFigureOut">
               <a:rPr lang="ko-KR" altLang="en-US" smtClean="0"/>
-              <a:t>2021-06-02</a:t>
+              <a:t>2021-06-03</a:t>
             </a:fld>
             <a:endParaRPr lang="ko-KR" altLang="en-US"/>
           </a:p>
@@ -1404,7 +1404,7 @@
           <a:p>
             <a:fld id="{FB30EDBD-1C2D-4C1E-B459-B60219FAB484}" type="datetimeFigureOut">
               <a:rPr lang="ko-KR" altLang="en-US" smtClean="0"/>
-              <a:t>2021-06-02</a:t>
+              <a:t>2021-06-03</a:t>
             </a:fld>
             <a:endParaRPr lang="ko-KR" altLang="en-US"/>
           </a:p>
@@ -1684,7 +1684,7 @@
           <a:p>
             <a:fld id="{FB30EDBD-1C2D-4C1E-B459-B60219FAB484}" type="datetimeFigureOut">
               <a:rPr lang="ko-KR" altLang="en-US" smtClean="0"/>
-              <a:t>2021-06-02</a:t>
+              <a:t>2021-06-03</a:t>
             </a:fld>
             <a:endParaRPr lang="ko-KR" altLang="en-US"/>
           </a:p>
@@ -2098,7 +2098,7 @@
           <a:p>
             <a:fld id="{FB30EDBD-1C2D-4C1E-B459-B60219FAB484}" type="datetimeFigureOut">
               <a:rPr lang="ko-KR" altLang="en-US" smtClean="0"/>
-              <a:t>2021-06-02</a:t>
+              <a:t>2021-06-03</a:t>
             </a:fld>
             <a:endParaRPr lang="ko-KR" altLang="en-US"/>
           </a:p>
@@ -2210,7 +2210,7 @@
           <a:p>
             <a:fld id="{FB30EDBD-1C2D-4C1E-B459-B60219FAB484}" type="datetimeFigureOut">
               <a:rPr lang="ko-KR" altLang="en-US" smtClean="0"/>
-              <a:t>2021-06-02</a:t>
+              <a:t>2021-06-03</a:t>
             </a:fld>
             <a:endParaRPr lang="ko-KR" altLang="en-US"/>
           </a:p>
@@ -2300,7 +2300,7 @@
           <a:p>
             <a:fld id="{FB30EDBD-1C2D-4C1E-B459-B60219FAB484}" type="datetimeFigureOut">
               <a:rPr lang="ko-KR" altLang="en-US" smtClean="0"/>
-              <a:t>2021-06-02</a:t>
+              <a:t>2021-06-03</a:t>
             </a:fld>
             <a:endParaRPr lang="ko-KR" altLang="en-US"/>
           </a:p>
@@ -2570,7 +2570,7 @@
           <a:p>
             <a:fld id="{FB30EDBD-1C2D-4C1E-B459-B60219FAB484}" type="datetimeFigureOut">
               <a:rPr lang="ko-KR" altLang="en-US" smtClean="0"/>
-              <a:t>2021-06-02</a:t>
+              <a:t>2021-06-03</a:t>
             </a:fld>
             <a:endParaRPr lang="ko-KR" altLang="en-US"/>
           </a:p>
@@ -2817,7 +2817,7 @@
           <a:p>
             <a:fld id="{FB30EDBD-1C2D-4C1E-B459-B60219FAB484}" type="datetimeFigureOut">
               <a:rPr lang="ko-KR" altLang="en-US" smtClean="0"/>
-              <a:t>2021-06-02</a:t>
+              <a:t>2021-06-03</a:t>
             </a:fld>
             <a:endParaRPr lang="ko-KR" altLang="en-US"/>
           </a:p>
@@ -3023,7 +3023,7 @@
           <a:p>
             <a:fld id="{FB30EDBD-1C2D-4C1E-B459-B60219FAB484}" type="datetimeFigureOut">
               <a:rPr lang="ko-KR" altLang="en-US" smtClean="0"/>
-              <a:t>2021-06-02</a:t>
+              <a:t>2021-06-03</a:t>
             </a:fld>
             <a:endParaRPr lang="ko-KR" altLang="en-US"/>
           </a:p>
@@ -4535,7 +4535,7 @@
             <a:pPr algn="ctr"/>
             <a:r>
               <a:rPr lang="en-US" altLang="ko-KR" sz="1400"/>
-              <a:t>Get</a:t>
+              <a:t>Read</a:t>
             </a:r>
             <a:endParaRPr lang="ko-KR" altLang="en-US" sz="1400"/>
           </a:p>
@@ -5148,7 +5148,7 @@
         </p:nvSpPr>
         <p:spPr>
           <a:xfrm>
-            <a:off x="5220072" y="1508680"/>
+            <a:off x="5148064" y="1508680"/>
             <a:ext cx="1368152" cy="349340"/>
           </a:xfrm>
           <a:prstGeom prst="roundRect">
@@ -5182,7 +5182,7 @@
             <a:pPr algn="ctr"/>
             <a:r>
               <a:rPr lang="en-US" altLang="ko-KR" sz="1100"/>
-              <a:t>Order Info</a:t>
+              <a:t>Read Order</a:t>
             </a:r>
           </a:p>
         </p:txBody>
@@ -5201,7 +5201,7 @@
         </p:nvSpPr>
         <p:spPr>
           <a:xfrm>
-            <a:off x="5220072" y="2742566"/>
+            <a:off x="5148064" y="2742566"/>
             <a:ext cx="1368152" cy="349340"/>
           </a:xfrm>
           <a:prstGeom prst="roundRect">
@@ -5235,7 +5235,7 @@
             <a:pPr algn="ctr"/>
             <a:r>
               <a:rPr lang="en-US" altLang="ko-KR" sz="1100"/>
-              <a:t>Order Info</a:t>
+              <a:t>Order State</a:t>
             </a:r>
           </a:p>
         </p:txBody>
